--- a/DD slides.pptx
+++ b/DD slides.pptx
@@ -8,7 +8,8 @@
     <p:sldId id="260" r:id="rId2"/>
     <p:sldId id="258" r:id="rId3"/>
     <p:sldId id="257" r:id="rId4"/>
-    <p:sldId id="259" r:id="rId5"/>
+    <p:sldId id="261" r:id="rId5"/>
+    <p:sldId id="259" r:id="rId6"/>
   </p:sldIdLst>
   <p:sldSz cx="12192000" cy="6858000"/>
   <p:notesSz cx="6858000" cy="9144000"/>
@@ -262,7 +263,7 @@
           <a:p>
             <a:fld id="{9411D6C3-1443-41D7-8593-6166EA58E86C}" type="datetimeFigureOut">
               <a:rPr lang="en-GB" smtClean="0"/>
-              <a:t>20/03/2024</a:t>
+              <a:t>21/03/2024</a:t>
             </a:fld>
             <a:endParaRPr lang="en-GB"/>
           </a:p>
@@ -460,7 +461,7 @@
           <a:p>
             <a:fld id="{9411D6C3-1443-41D7-8593-6166EA58E86C}" type="datetimeFigureOut">
               <a:rPr lang="en-GB" smtClean="0"/>
-              <a:t>20/03/2024</a:t>
+              <a:t>21/03/2024</a:t>
             </a:fld>
             <a:endParaRPr lang="en-GB"/>
           </a:p>
@@ -668,7 +669,7 @@
           <a:p>
             <a:fld id="{9411D6C3-1443-41D7-8593-6166EA58E86C}" type="datetimeFigureOut">
               <a:rPr lang="en-GB" smtClean="0"/>
-              <a:t>20/03/2024</a:t>
+              <a:t>21/03/2024</a:t>
             </a:fld>
             <a:endParaRPr lang="en-GB"/>
           </a:p>
@@ -866,7 +867,7 @@
           <a:p>
             <a:fld id="{9411D6C3-1443-41D7-8593-6166EA58E86C}" type="datetimeFigureOut">
               <a:rPr lang="en-GB" smtClean="0"/>
-              <a:t>20/03/2024</a:t>
+              <a:t>21/03/2024</a:t>
             </a:fld>
             <a:endParaRPr lang="en-GB"/>
           </a:p>
@@ -1141,7 +1142,7 @@
           <a:p>
             <a:fld id="{9411D6C3-1443-41D7-8593-6166EA58E86C}" type="datetimeFigureOut">
               <a:rPr lang="en-GB" smtClean="0"/>
-              <a:t>20/03/2024</a:t>
+              <a:t>21/03/2024</a:t>
             </a:fld>
             <a:endParaRPr lang="en-GB"/>
           </a:p>
@@ -1406,7 +1407,7 @@
           <a:p>
             <a:fld id="{9411D6C3-1443-41D7-8593-6166EA58E86C}" type="datetimeFigureOut">
               <a:rPr lang="en-GB" smtClean="0"/>
-              <a:t>20/03/2024</a:t>
+              <a:t>21/03/2024</a:t>
             </a:fld>
             <a:endParaRPr lang="en-GB"/>
           </a:p>
@@ -1818,7 +1819,7 @@
           <a:p>
             <a:fld id="{9411D6C3-1443-41D7-8593-6166EA58E86C}" type="datetimeFigureOut">
               <a:rPr lang="en-GB" smtClean="0"/>
-              <a:t>20/03/2024</a:t>
+              <a:t>21/03/2024</a:t>
             </a:fld>
             <a:endParaRPr lang="en-GB"/>
           </a:p>
@@ -1959,7 +1960,7 @@
           <a:p>
             <a:fld id="{9411D6C3-1443-41D7-8593-6166EA58E86C}" type="datetimeFigureOut">
               <a:rPr lang="en-GB" smtClean="0"/>
-              <a:t>20/03/2024</a:t>
+              <a:t>21/03/2024</a:t>
             </a:fld>
             <a:endParaRPr lang="en-GB"/>
           </a:p>
@@ -2072,7 +2073,7 @@
           <a:p>
             <a:fld id="{9411D6C3-1443-41D7-8593-6166EA58E86C}" type="datetimeFigureOut">
               <a:rPr lang="en-GB" smtClean="0"/>
-              <a:t>20/03/2024</a:t>
+              <a:t>21/03/2024</a:t>
             </a:fld>
             <a:endParaRPr lang="en-GB"/>
           </a:p>
@@ -2383,7 +2384,7 @@
           <a:p>
             <a:fld id="{9411D6C3-1443-41D7-8593-6166EA58E86C}" type="datetimeFigureOut">
               <a:rPr lang="en-GB" smtClean="0"/>
-              <a:t>20/03/2024</a:t>
+              <a:t>21/03/2024</a:t>
             </a:fld>
             <a:endParaRPr lang="en-GB"/>
           </a:p>
@@ -2671,7 +2672,7 @@
           <a:p>
             <a:fld id="{9411D6C3-1443-41D7-8593-6166EA58E86C}" type="datetimeFigureOut">
               <a:rPr lang="en-GB" smtClean="0"/>
-              <a:t>20/03/2024</a:t>
+              <a:t>21/03/2024</a:t>
             </a:fld>
             <a:endParaRPr lang="en-GB"/>
           </a:p>
@@ -2912,7 +2913,7 @@
           <a:p>
             <a:fld id="{9411D6C3-1443-41D7-8593-6166EA58E86C}" type="datetimeFigureOut">
               <a:rPr lang="en-GB" smtClean="0"/>
-              <a:t>20/03/2024</a:t>
+              <a:t>21/03/2024</a:t>
             </a:fld>
             <a:endParaRPr lang="en-GB"/>
           </a:p>
@@ -3723,6 +3724,172 @@
           <p:cNvPr id="2" name="Title 1">
             <a:extLst>
               <a:ext uri="{FF2B5EF4-FFF2-40B4-BE49-F238E27FC236}">
+                <a16:creationId xmlns:a16="http://schemas.microsoft.com/office/drawing/2014/main" id="{3A252D0F-C8BF-AE6F-5EB6-ADA21D0F1ED5}"/>
+              </a:ext>
+            </a:extLst>
+          </p:cNvPr>
+          <p:cNvSpPr>
+            <a:spLocks noGrp="1"/>
+          </p:cNvSpPr>
+          <p:nvPr>
+            <p:ph type="title"/>
+          </p:nvPr>
+        </p:nvSpPr>
+        <p:spPr/>
+        <p:txBody>
+          <a:bodyPr/>
+          <a:lstStyle/>
+          <a:p>
+            <a:r>
+              <a:rPr lang="en-GB" dirty="0"/>
+              <a:t>Pie Chart – Oscar Season stats</a:t>
+            </a:r>
+          </a:p>
+        </p:txBody>
+      </p:sp>
+      <p:sp>
+        <p:nvSpPr>
+          <p:cNvPr id="6" name="TextBox 5">
+            <a:extLst>
+              <a:ext uri="{FF2B5EF4-FFF2-40B4-BE49-F238E27FC236}">
+                <a16:creationId xmlns:a16="http://schemas.microsoft.com/office/drawing/2014/main" id="{A4E3113F-7BFC-D938-A344-7895D9DE165A}"/>
+              </a:ext>
+            </a:extLst>
+          </p:cNvPr>
+          <p:cNvSpPr txBox="1"/>
+          <p:nvPr/>
+        </p:nvSpPr>
+        <p:spPr>
+          <a:xfrm>
+            <a:off x="6690372" y="1808642"/>
+            <a:ext cx="5066061" cy="2585323"/>
+          </a:xfrm>
+          <a:prstGeom prst="rect">
+            <a:avLst/>
+          </a:prstGeom>
+          <a:noFill/>
+        </p:spPr>
+        <p:txBody>
+          <a:bodyPr wrap="square" rtlCol="0">
+            <a:spAutoFit/>
+          </a:bodyPr>
+          <a:lstStyle/>
+          <a:p>
+            <a:pPr marL="285750" indent="-285750">
+              <a:buFont typeface="Arial" panose="020B0604020202020204" pitchFamily="34" charset="0"/>
+              <a:buChar char="•"/>
+            </a:pPr>
+            <a:r>
+              <a:rPr lang="en-GB" dirty="0"/>
+              <a:t>Oscar Season months are November and December. This is right before the voting window closes.</a:t>
+            </a:r>
+          </a:p>
+          <a:p>
+            <a:endParaRPr lang="en-GB" dirty="0"/>
+          </a:p>
+          <a:p>
+            <a:pPr marL="285750" indent="-285750">
+              <a:buFont typeface="Arial" panose="020B0604020202020204" pitchFamily="34" charset="0"/>
+              <a:buChar char="•"/>
+            </a:pPr>
+            <a:r>
+              <a:rPr lang="en-GB" dirty="0"/>
+              <a:t>Lengthwise, these 2 months take up 16.7% of the year.</a:t>
+            </a:r>
+          </a:p>
+          <a:p>
+            <a:pPr marL="285750" indent="-285750">
+              <a:buFont typeface="Arial" panose="020B0604020202020204" pitchFamily="34" charset="0"/>
+              <a:buChar char="•"/>
+            </a:pPr>
+            <a:endParaRPr lang="en-GB" dirty="0"/>
+          </a:p>
+          <a:p>
+            <a:pPr marL="285750" indent="-285750">
+              <a:buFont typeface="Arial" panose="020B0604020202020204" pitchFamily="34" charset="0"/>
+              <a:buChar char="•"/>
+            </a:pPr>
+            <a:r>
+              <a:rPr lang="en-GB" dirty="0"/>
+              <a:t>((30.30 / 16.7) – 1 ) * 100</a:t>
+            </a:r>
+          </a:p>
+          <a:p>
+            <a:endParaRPr lang="en-GB" dirty="0"/>
+          </a:p>
+        </p:txBody>
+      </p:sp>
+      <p:pic>
+        <p:nvPicPr>
+          <p:cNvPr id="8" name="Picture 7" descr="A blue and orange pie chart&#10;&#10;Description automatically generated">
+            <a:extLst>
+              <a:ext uri="{FF2B5EF4-FFF2-40B4-BE49-F238E27FC236}">
+                <a16:creationId xmlns:a16="http://schemas.microsoft.com/office/drawing/2014/main" id="{A4AE65D6-4775-66E2-7C37-10A41968AC76}"/>
+              </a:ext>
+            </a:extLst>
+          </p:cNvPr>
+          <p:cNvPicPr>
+            <a:picLocks noChangeAspect="1"/>
+          </p:cNvPicPr>
+          <p:nvPr/>
+        </p:nvPicPr>
+        <p:blipFill>
+          <a:blip r:embed="rId2">
+            <a:extLst>
+              <a:ext uri="{28A0092B-C50C-407E-A947-70E740481C1C}">
+                <a14:useLocalDpi xmlns:a14="http://schemas.microsoft.com/office/drawing/2010/main" val="0"/>
+              </a:ext>
+            </a:extLst>
+          </a:blip>
+          <a:stretch>
+            <a:fillRect/>
+          </a:stretch>
+        </p:blipFill>
+        <p:spPr>
+          <a:xfrm>
+            <a:off x="838200" y="1808642"/>
+            <a:ext cx="5852172" cy="4389129"/>
+          </a:xfrm>
+          <a:prstGeom prst="rect">
+            <a:avLst/>
+          </a:prstGeom>
+        </p:spPr>
+      </p:pic>
+    </p:spTree>
+    <p:extLst>
+      <p:ext uri="{BB962C8B-B14F-4D97-AF65-F5344CB8AC3E}">
+        <p14:creationId xmlns:p14="http://schemas.microsoft.com/office/powerpoint/2010/main" val="1848069088"/>
+      </p:ext>
+    </p:extLst>
+  </p:cSld>
+  <p:clrMapOvr>
+    <a:masterClrMapping/>
+  </p:clrMapOvr>
+</p:sld>
+</file>
+
+<file path=ppt/slides/slide5.xml><?xml version="1.0" encoding="utf-8"?>
+<p:sld xmlns:a="http://schemas.openxmlformats.org/drawingml/2006/main" xmlns:r="http://schemas.openxmlformats.org/officeDocument/2006/relationships" xmlns:p="http://schemas.openxmlformats.org/presentationml/2006/main">
+  <p:cSld>
+    <p:spTree>
+      <p:nvGrpSpPr>
+        <p:cNvPr id="1" name=""/>
+        <p:cNvGrpSpPr/>
+        <p:nvPr/>
+      </p:nvGrpSpPr>
+      <p:grpSpPr>
+        <a:xfrm>
+          <a:off x="0" y="0"/>
+          <a:ext cx="0" cy="0"/>
+          <a:chOff x="0" y="0"/>
+          <a:chExt cx="0" cy="0"/>
+        </a:xfrm>
+      </p:grpSpPr>
+      <p:sp>
+        <p:nvSpPr>
+          <p:cNvPr id="2" name="Title 1">
+            <a:extLst>
+              <a:ext uri="{FF2B5EF4-FFF2-40B4-BE49-F238E27FC236}">
                 <a16:creationId xmlns:a16="http://schemas.microsoft.com/office/drawing/2014/main" id="{C179E19E-5131-86E3-4E73-5707E974C748}"/>
               </a:ext>
             </a:extLst>
